--- a/Unit 1/6371 For Live Session Unit 1 Student.pptx
+++ b/Unit 1/6371 For Live Session Unit 1 Student.pptx
@@ -3377,8 +3377,8 @@
           <a:chExt cx="0" cy="0"/>
         </a:xfrm>
       </p:grpSpPr>
-      <mc:AlternateContent xmlns:mc="http://schemas.openxmlformats.org/markup-compatibility/2006" xmlns:a14="http://schemas.microsoft.com/office/drawing/2010/main">
-        <mc:Choice Requires="a14">
+      <mc:AlternateContent xmlns:mc="http://schemas.openxmlformats.org/markup-compatibility/2006">
+        <mc:Choice xmlns:a14="http://schemas.microsoft.com/office/drawing/2010/main" Requires="a14">
           <p:sp>
             <p:nvSpPr>
               <p:cNvPr id="2" name="Title 1">
@@ -3407,6 +3407,13 @@
                 <a14:m>
                   <m:oMath xmlns:m="http://schemas.openxmlformats.org/officeDocument/2006/math">
                     <m:r>
+                      <a:rPr lang="en-US" i="1" smtClean="0">
+                        <a:latin typeface="Cambria Math" panose="02040503050406030204" pitchFamily="18" charset="0"/>
+                        <a:ea typeface="Cambria Math" panose="02040503050406030204" pitchFamily="18" charset="0"/>
+                      </a:rPr>
+                      <m:t>≤</m:t>
+                    </m:r>
+                    <m:r>
                       <a:rPr lang="en-US" i="1">
                         <a:latin typeface="Cambria Math" panose="02040503050406030204" pitchFamily="18" charset="0"/>
                         <a:ea typeface="Cambria Math" panose="02040503050406030204" pitchFamily="18" charset="0"/>
@@ -3434,7 +3441,7 @@
             </p:txBody>
           </p:sp>
         </mc:Choice>
-        <mc:Fallback xmlns="">
+        <mc:Fallback>
           <p:sp>
             <p:nvSpPr>
               <p:cNvPr id="2" name="Title 1">
@@ -3786,7 +3793,7 @@
           <a:p>
             <a:r>
               <a:rPr lang="en-US" dirty="0"/>
-              <a:t>Question / Activity 4 (3-4 hours)</a:t>
+              <a:t>Question / Activity 4 (2-3 hours)</a:t>
             </a:r>
           </a:p>
         </p:txBody>
